--- a/thermochemistry/public/images/arrows.pptx
+++ b/thermochemistry/public/images/arrows.pptx
@@ -259,7 +259,7 @@
           <a:p>
             <a:fld id="{383B7FC4-86D1-449B-8328-C835E0D125CF}" type="datetimeFigureOut">
               <a:rPr lang="pt-BR" smtClean="0"/>
-              <a:t>09/09/2024</a:t>
+              <a:t>10/09/2024</a:t>
             </a:fld>
             <a:endParaRPr lang="pt-BR"/>
           </a:p>
@@ -457,7 +457,7 @@
           <a:p>
             <a:fld id="{383B7FC4-86D1-449B-8328-C835E0D125CF}" type="datetimeFigureOut">
               <a:rPr lang="pt-BR" smtClean="0"/>
-              <a:t>09/09/2024</a:t>
+              <a:t>10/09/2024</a:t>
             </a:fld>
             <a:endParaRPr lang="pt-BR"/>
           </a:p>
@@ -665,7 +665,7 @@
           <a:p>
             <a:fld id="{383B7FC4-86D1-449B-8328-C835E0D125CF}" type="datetimeFigureOut">
               <a:rPr lang="pt-BR" smtClean="0"/>
-              <a:t>09/09/2024</a:t>
+              <a:t>10/09/2024</a:t>
             </a:fld>
             <a:endParaRPr lang="pt-BR"/>
           </a:p>
@@ -863,7 +863,7 @@
           <a:p>
             <a:fld id="{383B7FC4-86D1-449B-8328-C835E0D125CF}" type="datetimeFigureOut">
               <a:rPr lang="pt-BR" smtClean="0"/>
-              <a:t>09/09/2024</a:t>
+              <a:t>10/09/2024</a:t>
             </a:fld>
             <a:endParaRPr lang="pt-BR"/>
           </a:p>
@@ -1138,7 +1138,7 @@
           <a:p>
             <a:fld id="{383B7FC4-86D1-449B-8328-C835E0D125CF}" type="datetimeFigureOut">
               <a:rPr lang="pt-BR" smtClean="0"/>
-              <a:t>09/09/2024</a:t>
+              <a:t>10/09/2024</a:t>
             </a:fld>
             <a:endParaRPr lang="pt-BR"/>
           </a:p>
@@ -1403,7 +1403,7 @@
           <a:p>
             <a:fld id="{383B7FC4-86D1-449B-8328-C835E0D125CF}" type="datetimeFigureOut">
               <a:rPr lang="pt-BR" smtClean="0"/>
-              <a:t>09/09/2024</a:t>
+              <a:t>10/09/2024</a:t>
             </a:fld>
             <a:endParaRPr lang="pt-BR"/>
           </a:p>
@@ -1815,7 +1815,7 @@
           <a:p>
             <a:fld id="{383B7FC4-86D1-449B-8328-C835E0D125CF}" type="datetimeFigureOut">
               <a:rPr lang="pt-BR" smtClean="0"/>
-              <a:t>09/09/2024</a:t>
+              <a:t>10/09/2024</a:t>
             </a:fld>
             <a:endParaRPr lang="pt-BR"/>
           </a:p>
@@ -1956,7 +1956,7 @@
           <a:p>
             <a:fld id="{383B7FC4-86D1-449B-8328-C835E0D125CF}" type="datetimeFigureOut">
               <a:rPr lang="pt-BR" smtClean="0"/>
-              <a:t>09/09/2024</a:t>
+              <a:t>10/09/2024</a:t>
             </a:fld>
             <a:endParaRPr lang="pt-BR"/>
           </a:p>
@@ -2069,7 +2069,7 @@
           <a:p>
             <a:fld id="{383B7FC4-86D1-449B-8328-C835E0D125CF}" type="datetimeFigureOut">
               <a:rPr lang="pt-BR" smtClean="0"/>
-              <a:t>09/09/2024</a:t>
+              <a:t>10/09/2024</a:t>
             </a:fld>
             <a:endParaRPr lang="pt-BR"/>
           </a:p>
@@ -2380,7 +2380,7 @@
           <a:p>
             <a:fld id="{383B7FC4-86D1-449B-8328-C835E0D125CF}" type="datetimeFigureOut">
               <a:rPr lang="pt-BR" smtClean="0"/>
-              <a:t>09/09/2024</a:t>
+              <a:t>10/09/2024</a:t>
             </a:fld>
             <a:endParaRPr lang="pt-BR"/>
           </a:p>
@@ -2668,7 +2668,7 @@
           <a:p>
             <a:fld id="{383B7FC4-86D1-449B-8328-C835E0D125CF}" type="datetimeFigureOut">
               <a:rPr lang="pt-BR" smtClean="0"/>
-              <a:t>09/09/2024</a:t>
+              <a:t>10/09/2024</a:t>
             </a:fld>
             <a:endParaRPr lang="pt-BR"/>
           </a:p>
@@ -2909,7 +2909,7 @@
           <a:p>
             <a:fld id="{383B7FC4-86D1-449B-8328-C835E0D125CF}" type="datetimeFigureOut">
               <a:rPr lang="pt-BR" smtClean="0"/>
-              <a:t>09/09/2024</a:t>
+              <a:t>10/09/2024</a:t>
             </a:fld>
             <a:endParaRPr lang="pt-BR"/>
           </a:p>
@@ -3638,11 +3638,11 @@
             <a:avLst/>
           </a:prstGeom>
           <a:solidFill>
-            <a:schemeClr val="tx1"/>
+            <a:schemeClr val="accent1"/>
           </a:solidFill>
           <a:ln>
             <a:solidFill>
-              <a:schemeClr val="tx1"/>
+              <a:schemeClr val="accent1"/>
             </a:solidFill>
           </a:ln>
         </p:spPr>
@@ -3692,11 +3692,11 @@
             <a:avLst/>
           </a:prstGeom>
           <a:solidFill>
-            <a:schemeClr val="tx1"/>
+            <a:schemeClr val="accent1"/>
           </a:solidFill>
           <a:ln>
             <a:solidFill>
-              <a:schemeClr val="tx1"/>
+              <a:schemeClr val="accent1"/>
             </a:solidFill>
           </a:ln>
         </p:spPr>
